--- a/Projektmunka.pptx
+++ b/Projektmunka.pptx
@@ -909,13 +909,13 @@
   <p:clrMapOvr>
     <a:masterClrMapping/>
   </p:clrMapOvr>
-  <mc:AlternateContent xmlns:mc="http://schemas.openxmlformats.org/markup-compatibility/2006">
-    <mc:Choice xmlns:p14="http://schemas.microsoft.com/office/powerpoint/2010/main" Requires="p14">
+  <mc:AlternateContent xmlns:mc="http://schemas.openxmlformats.org/markup-compatibility/2006" xmlns:p14="http://schemas.microsoft.com/office/powerpoint/2010/main">
+    <mc:Choice Requires="p14">
       <p:transition spd="slow" p14:dur="1200">
         <p14:prism/>
       </p:transition>
     </mc:Choice>
-    <mc:Fallback>
+    <mc:Fallback xmlns="">
       <p:transition spd="slow">
         <p:fade/>
       </p:transition>
@@ -1202,13 +1202,13 @@
   <p:clrMapOvr>
     <a:masterClrMapping/>
   </p:clrMapOvr>
-  <mc:AlternateContent xmlns:mc="http://schemas.openxmlformats.org/markup-compatibility/2006">
-    <mc:Choice xmlns:p14="http://schemas.microsoft.com/office/powerpoint/2010/main" Requires="p14">
+  <mc:AlternateContent xmlns:mc="http://schemas.openxmlformats.org/markup-compatibility/2006" xmlns:p14="http://schemas.microsoft.com/office/powerpoint/2010/main">
+    <mc:Choice Requires="p14">
       <p:transition spd="slow" p14:dur="1200">
         <p14:prism/>
       </p:transition>
     </mc:Choice>
-    <mc:Fallback>
+    <mc:Fallback xmlns="">
       <p:transition spd="slow">
         <p:fade/>
       </p:transition>
@@ -1490,13 +1490,13 @@
   <p:clrMapOvr>
     <a:masterClrMapping/>
   </p:clrMapOvr>
-  <mc:AlternateContent xmlns:mc="http://schemas.openxmlformats.org/markup-compatibility/2006">
-    <mc:Choice xmlns:p14="http://schemas.microsoft.com/office/powerpoint/2010/main" Requires="p14">
+  <mc:AlternateContent xmlns:mc="http://schemas.openxmlformats.org/markup-compatibility/2006" xmlns:p14="http://schemas.microsoft.com/office/powerpoint/2010/main">
+    <mc:Choice Requires="p14">
       <p:transition spd="slow" p14:dur="1200">
         <p14:prism/>
       </p:transition>
     </mc:Choice>
-    <mc:Fallback>
+    <mc:Fallback xmlns="">
       <p:transition spd="slow">
         <p:fade/>
       </p:transition>
@@ -1906,13 +1906,13 @@
   <p:clrMapOvr>
     <a:masterClrMapping/>
   </p:clrMapOvr>
-  <mc:AlternateContent xmlns:mc="http://schemas.openxmlformats.org/markup-compatibility/2006">
-    <mc:Choice xmlns:p14="http://schemas.microsoft.com/office/powerpoint/2010/main" Requires="p14">
+  <mc:AlternateContent xmlns:mc="http://schemas.openxmlformats.org/markup-compatibility/2006" xmlns:p14="http://schemas.microsoft.com/office/powerpoint/2010/main">
+    <mc:Choice Requires="p14">
       <p:transition spd="slow" p14:dur="1200">
         <p14:prism/>
       </p:transition>
     </mc:Choice>
-    <mc:Fallback>
+    <mc:Fallback xmlns="">
       <p:transition spd="slow">
         <p:fade/>
       </p:transition>
@@ -2163,13 +2163,13 @@
   <p:clrMapOvr>
     <a:masterClrMapping/>
   </p:clrMapOvr>
-  <mc:AlternateContent xmlns:mc="http://schemas.openxmlformats.org/markup-compatibility/2006">
-    <mc:Choice xmlns:p14="http://schemas.microsoft.com/office/powerpoint/2010/main" Requires="p14">
+  <mc:AlternateContent xmlns:mc="http://schemas.openxmlformats.org/markup-compatibility/2006" xmlns:p14="http://schemas.microsoft.com/office/powerpoint/2010/main">
+    <mc:Choice Requires="p14">
       <p:transition spd="slow" p14:dur="1200">
         <p14:prism/>
       </p:transition>
     </mc:Choice>
-    <mc:Fallback>
+    <mc:Fallback xmlns="">
       <p:transition spd="slow">
         <p:fade/>
       </p:transition>
@@ -2645,13 +2645,13 @@
   <p:clrMapOvr>
     <a:masterClrMapping/>
   </p:clrMapOvr>
-  <mc:AlternateContent xmlns:mc="http://schemas.openxmlformats.org/markup-compatibility/2006">
-    <mc:Choice xmlns:p14="http://schemas.microsoft.com/office/powerpoint/2010/main" Requires="p14">
+  <mc:AlternateContent xmlns:mc="http://schemas.openxmlformats.org/markup-compatibility/2006" xmlns:p14="http://schemas.microsoft.com/office/powerpoint/2010/main">
+    <mc:Choice Requires="p14">
       <p:transition spd="slow" p14:dur="1200">
         <p14:prism/>
       </p:transition>
     </mc:Choice>
-    <mc:Fallback>
+    <mc:Fallback xmlns="">
       <p:transition spd="slow">
         <p:fade/>
       </p:transition>
@@ -3056,13 +3056,13 @@
   <p:clrMapOvr>
     <a:masterClrMapping/>
   </p:clrMapOvr>
-  <mc:AlternateContent xmlns:mc="http://schemas.openxmlformats.org/markup-compatibility/2006">
-    <mc:Choice xmlns:p14="http://schemas.microsoft.com/office/powerpoint/2010/main" Requires="p14">
+  <mc:AlternateContent xmlns:mc="http://schemas.openxmlformats.org/markup-compatibility/2006" xmlns:p14="http://schemas.microsoft.com/office/powerpoint/2010/main">
+    <mc:Choice Requires="p14">
       <p:transition spd="slow" p14:dur="1200">
         <p14:prism/>
       </p:transition>
     </mc:Choice>
-    <mc:Fallback>
+    <mc:Fallback xmlns="">
       <p:transition spd="slow">
         <p:fade/>
       </p:transition>
@@ -3270,13 +3270,13 @@
   <p:clrMapOvr>
     <a:masterClrMapping/>
   </p:clrMapOvr>
-  <mc:AlternateContent xmlns:mc="http://schemas.openxmlformats.org/markup-compatibility/2006">
-    <mc:Choice xmlns:p14="http://schemas.microsoft.com/office/powerpoint/2010/main" Requires="p14">
+  <mc:AlternateContent xmlns:mc="http://schemas.openxmlformats.org/markup-compatibility/2006" xmlns:p14="http://schemas.microsoft.com/office/powerpoint/2010/main">
+    <mc:Choice Requires="p14">
       <p:transition spd="slow" p14:dur="1200">
         <p14:prism/>
       </p:transition>
     </mc:Choice>
-    <mc:Fallback>
+    <mc:Fallback xmlns="">
       <p:transition spd="slow">
         <p:fade/>
       </p:transition>
@@ -3490,13 +3490,13 @@
   <p:clrMapOvr>
     <a:masterClrMapping/>
   </p:clrMapOvr>
-  <mc:AlternateContent xmlns:mc="http://schemas.openxmlformats.org/markup-compatibility/2006">
-    <mc:Choice xmlns:p14="http://schemas.microsoft.com/office/powerpoint/2010/main" Requires="p14">
+  <mc:AlternateContent xmlns:mc="http://schemas.openxmlformats.org/markup-compatibility/2006" xmlns:p14="http://schemas.microsoft.com/office/powerpoint/2010/main">
+    <mc:Choice Requires="p14">
       <p:transition spd="slow" p14:dur="1200">
         <p14:prism/>
       </p:transition>
     </mc:Choice>
-    <mc:Fallback>
+    <mc:Fallback xmlns="">
       <p:transition spd="slow">
         <p:fade/>
       </p:transition>
@@ -3703,13 +3703,13 @@
   <p:clrMapOvr>
     <a:masterClrMapping/>
   </p:clrMapOvr>
-  <mc:AlternateContent xmlns:mc="http://schemas.openxmlformats.org/markup-compatibility/2006">
-    <mc:Choice xmlns:p14="http://schemas.microsoft.com/office/powerpoint/2010/main" Requires="p14">
+  <mc:AlternateContent xmlns:mc="http://schemas.openxmlformats.org/markup-compatibility/2006" xmlns:p14="http://schemas.microsoft.com/office/powerpoint/2010/main">
+    <mc:Choice Requires="p14">
       <p:transition spd="slow" p14:dur="1200">
         <p14:prism/>
       </p:transition>
     </mc:Choice>
-    <mc:Fallback>
+    <mc:Fallback xmlns="">
       <p:transition spd="slow">
         <p:fade/>
       </p:transition>
@@ -3991,13 +3991,13 @@
   <p:clrMapOvr>
     <a:masterClrMapping/>
   </p:clrMapOvr>
-  <mc:AlternateContent xmlns:mc="http://schemas.openxmlformats.org/markup-compatibility/2006">
-    <mc:Choice xmlns:p14="http://schemas.microsoft.com/office/powerpoint/2010/main" Requires="p14">
+  <mc:AlternateContent xmlns:mc="http://schemas.openxmlformats.org/markup-compatibility/2006" xmlns:p14="http://schemas.microsoft.com/office/powerpoint/2010/main">
+    <mc:Choice Requires="p14">
       <p:transition spd="slow" p14:dur="1200">
         <p14:prism/>
       </p:transition>
     </mc:Choice>
-    <mc:Fallback>
+    <mc:Fallback xmlns="">
       <p:transition spd="slow">
         <p:fade/>
       </p:transition>
@@ -4265,13 +4265,13 @@
   <p:clrMapOvr>
     <a:masterClrMapping/>
   </p:clrMapOvr>
-  <mc:AlternateContent xmlns:mc="http://schemas.openxmlformats.org/markup-compatibility/2006">
-    <mc:Choice xmlns:p14="http://schemas.microsoft.com/office/powerpoint/2010/main" Requires="p14">
+  <mc:AlternateContent xmlns:mc="http://schemas.openxmlformats.org/markup-compatibility/2006" xmlns:p14="http://schemas.microsoft.com/office/powerpoint/2010/main">
+    <mc:Choice Requires="p14">
       <p:transition spd="slow" p14:dur="1200">
         <p14:prism/>
       </p:transition>
     </mc:Choice>
-    <mc:Fallback>
+    <mc:Fallback xmlns="">
       <p:transition spd="slow">
         <p:fade/>
       </p:transition>
@@ -4699,13 +4699,13 @@
   <p:clrMapOvr>
     <a:masterClrMapping/>
   </p:clrMapOvr>
-  <mc:AlternateContent xmlns:mc="http://schemas.openxmlformats.org/markup-compatibility/2006">
-    <mc:Choice xmlns:p14="http://schemas.microsoft.com/office/powerpoint/2010/main" Requires="p14">
+  <mc:AlternateContent xmlns:mc="http://schemas.openxmlformats.org/markup-compatibility/2006" xmlns:p14="http://schemas.microsoft.com/office/powerpoint/2010/main">
+    <mc:Choice Requires="p14">
       <p:transition spd="slow" p14:dur="1200">
         <p14:prism/>
       </p:transition>
     </mc:Choice>
-    <mc:Fallback>
+    <mc:Fallback xmlns="">
       <p:transition spd="slow">
         <p:fade/>
       </p:transition>
@@ -4857,13 +4857,13 @@
   <p:clrMapOvr>
     <a:masterClrMapping/>
   </p:clrMapOvr>
-  <mc:AlternateContent xmlns:mc="http://schemas.openxmlformats.org/markup-compatibility/2006">
-    <mc:Choice xmlns:p14="http://schemas.microsoft.com/office/powerpoint/2010/main" Requires="p14">
+  <mc:AlternateContent xmlns:mc="http://schemas.openxmlformats.org/markup-compatibility/2006" xmlns:p14="http://schemas.microsoft.com/office/powerpoint/2010/main">
+    <mc:Choice Requires="p14">
       <p:transition spd="slow" p14:dur="1200">
         <p14:prism/>
       </p:transition>
     </mc:Choice>
-    <mc:Fallback>
+    <mc:Fallback xmlns="">
       <p:transition spd="slow">
         <p:fade/>
       </p:transition>
@@ -4961,13 +4961,13 @@
   <p:clrMapOvr>
     <a:masterClrMapping/>
   </p:clrMapOvr>
-  <mc:AlternateContent xmlns:mc="http://schemas.openxmlformats.org/markup-compatibility/2006">
-    <mc:Choice xmlns:p14="http://schemas.microsoft.com/office/powerpoint/2010/main" Requires="p14">
+  <mc:AlternateContent xmlns:mc="http://schemas.openxmlformats.org/markup-compatibility/2006" xmlns:p14="http://schemas.microsoft.com/office/powerpoint/2010/main">
+    <mc:Choice Requires="p14">
       <p:transition spd="slow" p14:dur="1200">
         <p14:prism/>
       </p:transition>
     </mc:Choice>
-    <mc:Fallback>
+    <mc:Fallback xmlns="">
       <p:transition spd="slow">
         <p:fade/>
       </p:transition>
@@ -5256,13 +5256,13 @@
   <p:clrMapOvr>
     <a:masterClrMapping/>
   </p:clrMapOvr>
-  <mc:AlternateContent xmlns:mc="http://schemas.openxmlformats.org/markup-compatibility/2006">
-    <mc:Choice xmlns:p14="http://schemas.microsoft.com/office/powerpoint/2010/main" Requires="p14">
+  <mc:AlternateContent xmlns:mc="http://schemas.openxmlformats.org/markup-compatibility/2006" xmlns:p14="http://schemas.microsoft.com/office/powerpoint/2010/main">
+    <mc:Choice Requires="p14">
       <p:transition spd="slow" p14:dur="1200">
         <p14:prism/>
       </p:transition>
     </mc:Choice>
-    <mc:Fallback>
+    <mc:Fallback xmlns="">
       <p:transition spd="slow">
         <p:fade/>
       </p:transition>
@@ -5549,13 +5549,13 @@
   <p:clrMapOvr>
     <a:masterClrMapping/>
   </p:clrMapOvr>
-  <mc:AlternateContent xmlns:mc="http://schemas.openxmlformats.org/markup-compatibility/2006">
-    <mc:Choice xmlns:p14="http://schemas.microsoft.com/office/powerpoint/2010/main" Requires="p14">
+  <mc:AlternateContent xmlns:mc="http://schemas.openxmlformats.org/markup-compatibility/2006" xmlns:p14="http://schemas.microsoft.com/office/powerpoint/2010/main">
+    <mc:Choice Requires="p14">
       <p:transition spd="slow" p14:dur="1200">
         <p14:prism/>
       </p:transition>
     </mc:Choice>
-    <mc:Fallback>
+    <mc:Fallback xmlns="">
       <p:transition spd="slow">
         <p:fade/>
       </p:transition>
@@ -5962,13 +5962,13 @@
     <p:sldLayoutId id="2147483658" r:id="rId16"/>
     <p:sldLayoutId id="2147483659" r:id="rId17"/>
   </p:sldLayoutIdLst>
-  <mc:AlternateContent xmlns:mc="http://schemas.openxmlformats.org/markup-compatibility/2006">
-    <mc:Choice xmlns:p14="http://schemas.microsoft.com/office/powerpoint/2010/main" Requires="p14">
+  <mc:AlternateContent xmlns:mc="http://schemas.openxmlformats.org/markup-compatibility/2006" xmlns:p14="http://schemas.microsoft.com/office/powerpoint/2010/main">
+    <mc:Choice Requires="p14">
       <p:transition spd="slow" p14:dur="1200">
         <p14:prism/>
       </p:transition>
     </mc:Choice>
-    <mc:Fallback>
+    <mc:Fallback xmlns="">
       <p:transition spd="slow">
         <p:fade/>
       </p:transition>
@@ -6502,13 +6502,13 @@
   <p:clrMapOvr>
     <a:masterClrMapping/>
   </p:clrMapOvr>
-  <mc:AlternateContent xmlns:mc="http://schemas.openxmlformats.org/markup-compatibility/2006">
-    <mc:Choice xmlns:p14="http://schemas.microsoft.com/office/powerpoint/2010/main" Requires="p14">
+  <mc:AlternateContent xmlns:mc="http://schemas.openxmlformats.org/markup-compatibility/2006" xmlns:p14="http://schemas.microsoft.com/office/powerpoint/2010/main">
+    <mc:Choice Requires="p14">
       <p:transition spd="slow" p14:dur="1200">
         <p14:prism/>
       </p:transition>
     </mc:Choice>
-    <mc:Fallback>
+    <mc:Fallback xmlns="">
       <p:transition spd="slow">
         <p:fade/>
       </p:transition>
@@ -7047,13 +7047,13 @@
   <p:clrMapOvr>
     <a:masterClrMapping/>
   </p:clrMapOvr>
-  <mc:AlternateContent xmlns:mc="http://schemas.openxmlformats.org/markup-compatibility/2006">
-    <mc:Choice xmlns:p14="http://schemas.microsoft.com/office/powerpoint/2010/main" Requires="p14">
+  <mc:AlternateContent xmlns:mc="http://schemas.openxmlformats.org/markup-compatibility/2006" xmlns:p14="http://schemas.microsoft.com/office/powerpoint/2010/main">
+    <mc:Choice Requires="p14">
       <p:transition spd="slow" p14:dur="1200">
         <p14:prism/>
       </p:transition>
     </mc:Choice>
-    <mc:Fallback>
+    <mc:Fallback xmlns="">
       <p:transition spd="slow">
         <p:fade/>
       </p:transition>
@@ -7342,14 +7342,13 @@
               <a:t>Nem tudtad megjegyezni hogy ki írta. Menj vissza a </a:t>
             </a:r>
             <a:r>
-              <a:rPr lang="hu-HU" dirty="0" err="1"/>
-              <a:t>boszisuiba</a:t>
+              <a:rPr lang="hu-HU" dirty="0" smtClean="0"/>
+              <a:t>boszisuliba </a:t>
             </a:r>
             <a:r>
               <a:rPr lang="hu-HU" dirty="0"/>
-              <a:t> tanulni. Kezdd újra a játékot!</a:t>
-            </a:r>
-            <a:endParaRPr lang="hu-HU" dirty="0"/>
+              <a:t>tanulni. Kezdd újra a játékot!</a:t>
+            </a:r>
           </a:p>
         </p:txBody>
       </p:sp>
@@ -7608,13 +7607,13 @@
   <p:clrMapOvr>
     <a:masterClrMapping/>
   </p:clrMapOvr>
-  <mc:AlternateContent xmlns:mc="http://schemas.openxmlformats.org/markup-compatibility/2006">
-    <mc:Choice xmlns:p14="http://schemas.microsoft.com/office/powerpoint/2010/main" Requires="p14">
+  <mc:AlternateContent xmlns:mc="http://schemas.openxmlformats.org/markup-compatibility/2006" xmlns:p14="http://schemas.microsoft.com/office/powerpoint/2010/main">
+    <mc:Choice Requires="p14">
       <p:transition spd="slow" p14:dur="1200">
         <p14:prism/>
       </p:transition>
     </mc:Choice>
-    <mc:Fallback>
+    <mc:Fallback xmlns="">
       <p:transition spd="slow">
         <p:fade/>
       </p:transition>
@@ -8029,11 +8028,7 @@
             </a:r>
             <a:r>
               <a:rPr lang="hu-HU" dirty="0" smtClean="0"/>
-              <a:t>érkeztél. </a:t>
-            </a:r>
-            <a:r>
-              <a:rPr lang="hu-HU" dirty="0" smtClean="0"/>
-              <a:t>Mivel </a:t>
+              <a:t>érkeztél. Mivel </a:t>
             </a:r>
             <a:r>
               <a:rPr lang="hu-HU" dirty="0"/>
@@ -8154,13 +8149,13 @@
   <p:clrMapOvr>
     <a:masterClrMapping/>
   </p:clrMapOvr>
-  <mc:AlternateContent xmlns:mc="http://schemas.openxmlformats.org/markup-compatibility/2006">
-    <mc:Choice xmlns:p14="http://schemas.microsoft.com/office/powerpoint/2010/main" Requires="p14">
+  <mc:AlternateContent xmlns:mc="http://schemas.openxmlformats.org/markup-compatibility/2006" xmlns:p14="http://schemas.microsoft.com/office/powerpoint/2010/main">
+    <mc:Choice Requires="p14">
       <p:transition spd="slow" p14:dur="1200">
         <p14:prism/>
       </p:transition>
     </mc:Choice>
-    <mc:Fallback>
+    <mc:Fallback xmlns="">
       <p:transition spd="slow">
         <p:fade/>
       </p:transition>
@@ -8712,13 +8707,13 @@
   <p:clrMapOvr>
     <a:masterClrMapping/>
   </p:clrMapOvr>
-  <mc:AlternateContent xmlns:mc="http://schemas.openxmlformats.org/markup-compatibility/2006">
-    <mc:Choice xmlns:p14="http://schemas.microsoft.com/office/powerpoint/2010/main" Requires="p14">
+  <mc:AlternateContent xmlns:mc="http://schemas.openxmlformats.org/markup-compatibility/2006" xmlns:p14="http://schemas.microsoft.com/office/powerpoint/2010/main">
+    <mc:Choice Requires="p14">
       <p:transition spd="slow" p14:dur="1200">
         <p14:prism/>
       </p:transition>
     </mc:Choice>
-    <mc:Fallback>
+    <mc:Fallback xmlns="">
       <p:transition spd="slow">
         <p:fade/>
       </p:transition>
@@ -9010,7 +9005,6 @@
               <a:rPr lang="hu-HU" dirty="0"/>
               <a:t>Megáztál és lázas lettél. Gyógyszert kell szedned, kezdd újra a játékot!</a:t>
             </a:r>
-            <a:endParaRPr lang="hu-HU" dirty="0"/>
           </a:p>
         </p:txBody>
       </p:sp>
@@ -9323,13 +9317,13 @@
   <p:clrMapOvr>
     <a:masterClrMapping/>
   </p:clrMapOvr>
-  <mc:AlternateContent xmlns:mc="http://schemas.openxmlformats.org/markup-compatibility/2006">
-    <mc:Choice xmlns:p14="http://schemas.microsoft.com/office/powerpoint/2010/main" Requires="p14">
+  <mc:AlternateContent xmlns:mc="http://schemas.openxmlformats.org/markup-compatibility/2006" xmlns:p14="http://schemas.microsoft.com/office/powerpoint/2010/main">
+    <mc:Choice Requires="p14">
       <p:transition spd="slow" p14:dur="1200">
         <p14:prism/>
       </p:transition>
     </mc:Choice>
-    <mc:Fallback>
+    <mc:Fallback xmlns="">
       <p:transition spd="slow">
         <p:fade/>
       </p:transition>
@@ -9621,7 +9615,6 @@
               <a:rPr lang="hu-HU" dirty="0"/>
               <a:t>Operába mentél. Kezdd újra a játékot!</a:t>
             </a:r>
-            <a:endParaRPr lang="hu-HU" dirty="0"/>
           </a:p>
         </p:txBody>
       </p:sp>
@@ -9700,15 +9693,23 @@
             </a:r>
             <a:r>
               <a:rPr lang="hu-HU" dirty="0" smtClean="0"/>
-              <a:t>Folytassuk az utunkat Bibi </a:t>
+              <a:t>Folytasd </a:t>
+            </a:r>
+            <a:r>
+              <a:rPr lang="hu-HU" dirty="0" smtClean="0"/>
+              <a:t>az </a:t>
+            </a:r>
+            <a:r>
+              <a:rPr lang="hu-HU" dirty="0" smtClean="0"/>
+              <a:t>utat Bibi </a:t>
             </a:r>
             <a:r>
               <a:rPr lang="hu-HU" dirty="0" err="1" smtClean="0"/>
               <a:t>Blocksberghez</a:t>
             </a:r>
             <a:r>
-              <a:rPr lang="hu-HU" dirty="0" smtClean="0"/>
-              <a:t>.</a:t>
+              <a:rPr lang="hu-HU" dirty="0"/>
+              <a:t>!</a:t>
             </a:r>
             <a:endParaRPr lang="hu-HU" dirty="0"/>
           </a:p>
@@ -9864,13 +9865,13 @@
   <p:clrMapOvr>
     <a:masterClrMapping/>
   </p:clrMapOvr>
-  <mc:AlternateContent xmlns:mc="http://schemas.openxmlformats.org/markup-compatibility/2006">
-    <mc:Choice xmlns:p14="http://schemas.microsoft.com/office/powerpoint/2010/main" Requires="p14">
+  <mc:AlternateContent xmlns:mc="http://schemas.openxmlformats.org/markup-compatibility/2006" xmlns:p14="http://schemas.microsoft.com/office/powerpoint/2010/main">
+    <mc:Choice Requires="p14">
       <p:transition spd="slow" p14:dur="1200">
         <p14:prism/>
       </p:transition>
     </mc:Choice>
-    <mc:Fallback>
+    <mc:Fallback xmlns="">
       <p:transition spd="slow">
         <p:fade/>
       </p:transition>
@@ -10275,7 +10276,15 @@
             </a:r>
             <a:r>
               <a:rPr lang="hu-HU" dirty="0"/>
-              <a:t>) elfejtette seprűjének a nevét. Tőled kérdezi: Mi a seprűm neve?</a:t>
+              <a:t>) </a:t>
+            </a:r>
+            <a:r>
+              <a:rPr lang="hu-HU" dirty="0" smtClean="0"/>
+              <a:t>elfelejtette </a:t>
+            </a:r>
+            <a:r>
+              <a:rPr lang="hu-HU" dirty="0"/>
+              <a:t>seprűjének a nevét. Tőled kérdezi: Mi a seprűm neve?</a:t>
             </a:r>
           </a:p>
         </p:txBody>
@@ -10436,13 +10445,13 @@
   <p:clrMapOvr>
     <a:masterClrMapping/>
   </p:clrMapOvr>
-  <mc:AlternateContent xmlns:mc="http://schemas.openxmlformats.org/markup-compatibility/2006">
-    <mc:Choice xmlns:p14="http://schemas.microsoft.com/office/powerpoint/2010/main" Requires="p14">
+  <mc:AlternateContent xmlns:mc="http://schemas.openxmlformats.org/markup-compatibility/2006" xmlns:p14="http://schemas.microsoft.com/office/powerpoint/2010/main">
+    <mc:Choice Requires="p14">
       <p:transition spd="slow" p14:dur="1200">
         <p14:prism/>
       </p:transition>
     </mc:Choice>
-    <mc:Fallback>
+    <mc:Fallback xmlns="">
       <p:transition spd="slow">
         <p:fade/>
       </p:transition>
@@ -10539,13 +10548,13 @@
   <p:clrMapOvr>
     <a:masterClrMapping/>
   </p:clrMapOvr>
-  <mc:AlternateContent xmlns:mc="http://schemas.openxmlformats.org/markup-compatibility/2006">
-    <mc:Choice xmlns:p14="http://schemas.microsoft.com/office/powerpoint/2010/main" Requires="p14">
+  <mc:AlternateContent xmlns:mc="http://schemas.openxmlformats.org/markup-compatibility/2006" xmlns:p14="http://schemas.microsoft.com/office/powerpoint/2010/main">
+    <mc:Choice Requires="p14">
       <p:transition spd="slow" p14:dur="1200">
         <p14:prism/>
       </p:transition>
     </mc:Choice>
-    <mc:Fallback>
+    <mc:Fallback xmlns="">
       <p:transition spd="slow">
         <p:fade/>
       </p:transition>
@@ -11643,13 +11652,13 @@
   <p:clrMapOvr>
     <a:masterClrMapping/>
   </p:clrMapOvr>
-  <mc:AlternateContent xmlns:mc="http://schemas.openxmlformats.org/markup-compatibility/2006">
-    <mc:Choice xmlns:p14="http://schemas.microsoft.com/office/powerpoint/2010/main" Requires="p14">
+  <mc:AlternateContent xmlns:mc="http://schemas.openxmlformats.org/markup-compatibility/2006" xmlns:p14="http://schemas.microsoft.com/office/powerpoint/2010/main">
+    <mc:Choice Requires="p14">
       <p:transition spd="slow" p14:dur="1200">
         <p14:prism/>
       </p:transition>
     </mc:Choice>
-    <mc:Fallback>
+    <mc:Fallback xmlns="">
       <p:transition spd="slow">
         <p:fade/>
       </p:transition>
@@ -11684,6 +11693,30 @@
       </p:grpSpPr>
       <p:pic>
         <p:nvPicPr>
+          <p:cNvPr id="2" name="Kép 1"/>
+          <p:cNvPicPr>
+            <a:picLocks noChangeAspect="1"/>
+          </p:cNvPicPr>
+          <p:nvPr/>
+        </p:nvPicPr>
+        <p:blipFill>
+          <a:blip r:embed="rId2"/>
+          <a:stretch>
+            <a:fillRect/>
+          </a:stretch>
+        </p:blipFill>
+        <p:spPr>
+          <a:xfrm>
+            <a:off x="750932" y="5206300"/>
+            <a:ext cx="10507541" cy="819264"/>
+          </a:xfrm>
+          <a:prstGeom prst="rect">
+            <a:avLst/>
+          </a:prstGeom>
+        </p:spPr>
+      </p:pic>
+      <p:pic>
+        <p:nvPicPr>
           <p:cNvPr id="3" name="Kép 2"/>
           <p:cNvPicPr>
             <a:picLocks noChangeAspect="1"/>
@@ -11691,7 +11724,7 @@
           <p:nvPr/>
         </p:nvPicPr>
         <p:blipFill rotWithShape="1">
-          <a:blip r:embed="rId2"/>
+          <a:blip r:embed="rId3"/>
           <a:srcRect b="24822"/>
           <a:stretch/>
         </p:blipFill>
@@ -11699,30 +11732,6 @@
           <a:xfrm>
             <a:off x="778529" y="758926"/>
             <a:ext cx="10640910" cy="3938910"/>
-          </a:xfrm>
-          <a:prstGeom prst="rect">
-            <a:avLst/>
-          </a:prstGeom>
-        </p:spPr>
-      </p:pic>
-      <p:pic>
-        <p:nvPicPr>
-          <p:cNvPr id="36" name="Kép 35"/>
-          <p:cNvPicPr>
-            <a:picLocks noChangeAspect="1"/>
-          </p:cNvPicPr>
-          <p:nvPr/>
-        </p:nvPicPr>
-        <p:blipFill>
-          <a:blip r:embed="rId3"/>
-          <a:stretch>
-            <a:fillRect/>
-          </a:stretch>
-        </p:blipFill>
-        <p:spPr>
-          <a:xfrm>
-            <a:off x="718571" y="5250920"/>
-            <a:ext cx="10470369" cy="584860"/>
           </a:xfrm>
           <a:prstGeom prst="rect">
             <a:avLst/>
@@ -12258,8 +12267,8 @@
         </p:nvSpPr>
         <p:spPr>
           <a:xfrm>
-            <a:off x="718571" y="5214581"/>
-            <a:ext cx="10510340" cy="636587"/>
+            <a:off x="750931" y="5214581"/>
+            <a:ext cx="10477979" cy="810983"/>
           </a:xfrm>
           <a:prstGeom prst="rect">
             <a:avLst/>
@@ -12344,13 +12353,13 @@
   <p:clrMapOvr>
     <a:masterClrMapping/>
   </p:clrMapOvr>
-  <mc:AlternateContent xmlns:mc="http://schemas.openxmlformats.org/markup-compatibility/2006">
-    <mc:Choice xmlns:p14="http://schemas.microsoft.com/office/powerpoint/2010/main" Requires="p14">
+  <mc:AlternateContent xmlns:mc="http://schemas.openxmlformats.org/markup-compatibility/2006" xmlns:p14="http://schemas.microsoft.com/office/powerpoint/2010/main">
+    <mc:Choice Requires="p14">
       <p:transition spd="slow" p14:dur="1200">
         <p14:prism/>
       </p:transition>
     </mc:Choice>
-    <mc:Fallback>
+    <mc:Fallback xmlns="">
       <p:transition spd="slow">
         <p:fade/>
       </p:transition>
@@ -12440,15 +12449,19 @@
             <a:pPr lvl="1"/>
             <a:r>
               <a:rPr lang="hu-HU" dirty="0"/>
-              <a:t>Szeretem a meséket. A kedvenc meséimet, </a:t>
+              <a:t>Szeretem a meséket. A kedvenc </a:t>
             </a:r>
             <a:r>
               <a:rPr lang="hu-HU" dirty="0" smtClean="0"/>
-              <a:t>filmjeimet és egyéb műveltségi kérdéseken </a:t>
+              <a:t>meséimen, filmjeimen </a:t>
             </a:r>
             <a:r>
               <a:rPr lang="hu-HU" dirty="0" smtClean="0"/>
-              <a:t>át fog vezetni ez  kaland</a:t>
+              <a:t>és egyéb műveltségi kérdéseken át fog vezetni ez  </a:t>
+            </a:r>
+            <a:r>
+              <a:rPr lang="hu-HU" dirty="0" smtClean="0"/>
+              <a:t>a kaland</a:t>
             </a:r>
             <a:r>
               <a:rPr lang="hu-HU" dirty="0" smtClean="0"/>
@@ -12497,13 +12510,13 @@
   <p:clrMapOvr>
     <a:masterClrMapping/>
   </p:clrMapOvr>
-  <mc:AlternateContent xmlns:mc="http://schemas.openxmlformats.org/markup-compatibility/2006">
-    <mc:Choice xmlns:p14="http://schemas.microsoft.com/office/powerpoint/2010/main" Requires="p14">
+  <mc:AlternateContent xmlns:mc="http://schemas.openxmlformats.org/markup-compatibility/2006" xmlns:p14="http://schemas.microsoft.com/office/powerpoint/2010/main">
+    <mc:Choice Requires="p14">
       <p:transition spd="slow" p14:dur="1200">
         <p14:prism/>
       </p:transition>
     </mc:Choice>
-    <mc:Fallback>
+    <mc:Fallback xmlns="">
       <p:transition spd="slow">
         <p:fade/>
       </p:transition>
@@ -12604,13 +12617,13 @@
   <p:clrMapOvr>
     <a:masterClrMapping/>
   </p:clrMapOvr>
-  <mc:AlternateContent xmlns:mc="http://schemas.openxmlformats.org/markup-compatibility/2006">
-    <mc:Choice xmlns:p14="http://schemas.microsoft.com/office/powerpoint/2010/main" Requires="p14">
+  <mc:AlternateContent xmlns:mc="http://schemas.openxmlformats.org/markup-compatibility/2006" xmlns:p14="http://schemas.microsoft.com/office/powerpoint/2010/main">
+    <mc:Choice Requires="p14">
       <p:transition spd="slow" p14:dur="1200">
         <p14:prism/>
       </p:transition>
     </mc:Choice>
-    <mc:Fallback>
+    <mc:Fallback xmlns="">
       <p:transition spd="slow">
         <p:fade/>
       </p:transition>
@@ -12756,13 +12769,13 @@
   <p:clrMapOvr>
     <a:masterClrMapping/>
   </p:clrMapOvr>
-  <mc:AlternateContent xmlns:mc="http://schemas.openxmlformats.org/markup-compatibility/2006">
-    <mc:Choice xmlns:p14="http://schemas.microsoft.com/office/powerpoint/2010/main" Requires="p14">
+  <mc:AlternateContent xmlns:mc="http://schemas.openxmlformats.org/markup-compatibility/2006" xmlns:p14="http://schemas.microsoft.com/office/powerpoint/2010/main">
+    <mc:Choice Requires="p14">
       <p:transition spd="slow" p14:dur="1200">
         <p14:prism/>
       </p:transition>
     </mc:Choice>
-    <mc:Fallback>
+    <mc:Fallback xmlns="">
       <p:transition spd="slow">
         <p:fade/>
       </p:transition>
@@ -12894,7 +12907,15 @@
           <a:p>
             <a:r>
               <a:rPr lang="hu-HU" dirty="0"/>
-              <a:t>Start: Egy boszorkány útnak indul, mert le akar vizsgázni hogy </a:t>
+              <a:t>Start: Egy boszorkány útnak indul, mert le akar </a:t>
+            </a:r>
+            <a:r>
+              <a:rPr lang="hu-HU" dirty="0" smtClean="0"/>
+              <a:t>vizsgázni, </a:t>
+            </a:r>
+            <a:r>
+              <a:rPr lang="hu-HU" dirty="0"/>
+              <a:t>hogy </a:t>
             </a:r>
             <a:r>
               <a:rPr lang="hu-HU" dirty="0" err="1"/>
@@ -13246,7 +13267,6 @@
               <a:rPr lang="hu-HU" dirty="0"/>
               <a:t>!</a:t>
             </a:r>
-            <a:endParaRPr lang="hu-HU" dirty="0"/>
           </a:p>
         </p:txBody>
       </p:sp>
@@ -13405,13 +13425,13 @@
   <p:clrMapOvr>
     <a:masterClrMapping/>
   </p:clrMapOvr>
-  <mc:AlternateContent xmlns:mc="http://schemas.openxmlformats.org/markup-compatibility/2006">
-    <mc:Choice xmlns:p14="http://schemas.microsoft.com/office/powerpoint/2010/main" Requires="p14">
+  <mc:AlternateContent xmlns:mc="http://schemas.openxmlformats.org/markup-compatibility/2006" xmlns:p14="http://schemas.microsoft.com/office/powerpoint/2010/main">
+    <mc:Choice Requires="p14">
       <p:transition spd="slow" p14:dur="1200">
         <p14:prism/>
       </p:transition>
     </mc:Choice>
-    <mc:Fallback>
+    <mc:Fallback xmlns="">
       <p:transition spd="slow">
         <p:fade/>
       </p:transition>
@@ -13969,13 +13989,13 @@
   <p:clrMapOvr>
     <a:masterClrMapping/>
   </p:clrMapOvr>
-  <mc:AlternateContent xmlns:mc="http://schemas.openxmlformats.org/markup-compatibility/2006">
-    <mc:Choice xmlns:p14="http://schemas.microsoft.com/office/powerpoint/2010/main" Requires="p14">
+  <mc:AlternateContent xmlns:mc="http://schemas.openxmlformats.org/markup-compatibility/2006" xmlns:p14="http://schemas.microsoft.com/office/powerpoint/2010/main">
+    <mc:Choice Requires="p14">
       <p:transition spd="slow" p14:dur="1200">
         <p14:prism/>
       </p:transition>
     </mc:Choice>
-    <mc:Fallback>
+    <mc:Fallback xmlns="">
       <p:transition spd="slow">
         <p:fade/>
       </p:transition>
@@ -14350,7 +14370,15 @@
           <a:p>
             <a:r>
               <a:rPr lang="hu-HU" dirty="0"/>
-              <a:t>Gratulálok eltaláltad. Pattanj fel a seprűdre. A következő megálló Hamupipőke.</a:t>
+              <a:t>Gratulálok eltaláltad. Pattanj fel a </a:t>
+            </a:r>
+            <a:r>
+              <a:rPr lang="hu-HU" dirty="0" smtClean="0"/>
+              <a:t>seprűdre! </a:t>
+            </a:r>
+            <a:r>
+              <a:rPr lang="hu-HU" dirty="0"/>
+              <a:t>A következő megálló Hamupipőke.</a:t>
             </a:r>
           </a:p>
         </p:txBody>
@@ -14500,13 +14528,13 @@
   <p:clrMapOvr>
     <a:masterClrMapping/>
   </p:clrMapOvr>
-  <mc:AlternateContent xmlns:mc="http://schemas.openxmlformats.org/markup-compatibility/2006">
-    <mc:Choice xmlns:p14="http://schemas.microsoft.com/office/powerpoint/2010/main" Requires="p14">
+  <mc:AlternateContent xmlns:mc="http://schemas.openxmlformats.org/markup-compatibility/2006" xmlns:p14="http://schemas.microsoft.com/office/powerpoint/2010/main">
+    <mc:Choice Requires="p14">
       <p:transition spd="slow" p14:dur="1200">
         <p14:prism/>
       </p:transition>
     </mc:Choice>
-    <mc:Fallback>
+    <mc:Fallback xmlns="">
       <p:transition spd="slow">
         <p:fade/>
       </p:transition>
@@ -14796,7 +14824,7 @@
             </a:r>
             <a:r>
               <a:rPr lang="hu-HU" dirty="0"/>
-              <a:t> meg a seprűdet. Kezdd újra a játékot!</a:t>
+              <a:t> meg a seprűdet. Kezdd újra a játékot</a:t>
             </a:r>
             <a:r>
               <a:rPr lang="hu-HU" dirty="0" smtClean="0"/>
@@ -15061,13 +15089,13 @@
   <p:clrMapOvr>
     <a:masterClrMapping/>
   </p:clrMapOvr>
-  <mc:AlternateContent xmlns:mc="http://schemas.openxmlformats.org/markup-compatibility/2006">
-    <mc:Choice xmlns:p14="http://schemas.microsoft.com/office/powerpoint/2010/main" Requires="p14">
+  <mc:AlternateContent xmlns:mc="http://schemas.openxmlformats.org/markup-compatibility/2006" xmlns:p14="http://schemas.microsoft.com/office/powerpoint/2010/main">
+    <mc:Choice Requires="p14">
       <p:transition spd="slow" p14:dur="1200">
         <p14:prism/>
       </p:transition>
     </mc:Choice>
-    <mc:Fallback>
+    <mc:Fallback xmlns="">
       <p:transition spd="slow">
         <p:fade/>
       </p:transition>
@@ -15360,8 +15388,12 @@
               <a:t>tanulni. </a:t>
             </a:r>
             <a:r>
+              <a:rPr lang="hu-HU" dirty="0" smtClean="0"/>
+              <a:t>Kezdd </a:t>
+            </a:r>
+            <a:r>
               <a:rPr lang="hu-HU" dirty="0"/>
-              <a:t>Kezd újra a </a:t>
+              <a:t>újra a </a:t>
             </a:r>
             <a:r>
               <a:rPr lang="hu-HU" dirty="0" smtClean="0"/>
@@ -15442,7 +15474,15 @@
           <a:p>
             <a:r>
               <a:rPr lang="hu-HU" dirty="0"/>
-              <a:t>Gratulálok eltaláltad. Pattanj fel a seprűdre. A következő megálló </a:t>
+              <a:t>Gratulálok eltaláltad. Pattanj fel a </a:t>
+            </a:r>
+            <a:r>
+              <a:rPr lang="hu-HU" dirty="0" smtClean="0"/>
+              <a:t>seprűdre! </a:t>
+            </a:r>
+            <a:r>
+              <a:rPr lang="hu-HU" dirty="0"/>
+              <a:t>A következő megálló </a:t>
             </a:r>
           </a:p>
           <a:p>
@@ -15598,13 +15638,13 @@
   <p:clrMapOvr>
     <a:masterClrMapping/>
   </p:clrMapOvr>
-  <mc:AlternateContent xmlns:mc="http://schemas.openxmlformats.org/markup-compatibility/2006">
-    <mc:Choice xmlns:p14="http://schemas.microsoft.com/office/powerpoint/2010/main" Requires="p14">
+  <mc:AlternateContent xmlns:mc="http://schemas.openxmlformats.org/markup-compatibility/2006" xmlns:p14="http://schemas.microsoft.com/office/powerpoint/2010/main">
+    <mc:Choice Requires="p14">
       <p:transition spd="slow" p14:dur="1200">
         <p14:prism/>
       </p:transition>
     </mc:Choice>
-    <mc:Fallback>
+    <mc:Fallback xmlns="">
       <p:transition spd="slow">
         <p:fade/>
       </p:transition>
@@ -15990,7 +16030,6 @@
               <a:rPr lang="hu-HU" dirty="0"/>
               <a:t>műfajú?</a:t>
             </a:r>
-            <a:endParaRPr lang="hu-HU" dirty="0"/>
           </a:p>
         </p:txBody>
       </p:sp>
@@ -16126,7 +16165,6 @@
               <a:rPr lang="hu-HU" dirty="0"/>
               <a:t>Gratulálok eltaláltad. Látogassuk meg Aranyhajat.</a:t>
             </a:r>
-            <a:endParaRPr lang="hu-HU" dirty="0"/>
           </a:p>
         </p:txBody>
       </p:sp>
@@ -16140,13 +16178,13 @@
   <p:clrMapOvr>
     <a:masterClrMapping/>
   </p:clrMapOvr>
-  <mc:AlternateContent xmlns:mc="http://schemas.openxmlformats.org/markup-compatibility/2006">
-    <mc:Choice xmlns:p14="http://schemas.microsoft.com/office/powerpoint/2010/main" Requires="p14">
+  <mc:AlternateContent xmlns:mc="http://schemas.openxmlformats.org/markup-compatibility/2006" xmlns:p14="http://schemas.microsoft.com/office/powerpoint/2010/main">
+    <mc:Choice Requires="p14">
       <p:transition spd="slow" p14:dur="1200">
         <p14:prism/>
       </p:transition>
     </mc:Choice>
-    <mc:Fallback>
+    <mc:Fallback xmlns="">
       <p:transition spd="slow">
         <p:fade/>
       </p:transition>
